--- a/Correlación/Estadística_COVID.pptx
+++ b/Correlación/Estadística_COVID.pptx
@@ -123,6 +123,7 @@
     <p1510:client id="{0FB461E9-EFD8-44DE-B205-63DFED877B39}" v="423" dt="2022-09-27T23:49:19.471"/>
     <p1510:client id="{5F6A6F4C-3B42-D72B-3256-8CA3A51DDC9B}" v="204" dt="2022-09-28T03:56:16.741"/>
     <p1510:client id="{A988ACB9-BA96-3742-0AD9-A2FCCA6F2535}" v="1380" dt="2022-09-28T06:11:41.120"/>
+    <p1510:client id="{D9652648-D30B-92EB-D547-BEBCBE9D07FB}" v="4" dt="2022-10-03T22:35:57.938"/>
   </p1510:revLst>
 </p1510:revInfo>
 </file>
@@ -899,6 +900,30 @@
     </pc:docChg>
   </pc:docChgLst>
   <pc:docChgLst>
+    <pc:chgData name="JUAN ANTONIO ALVARADO CANO" userId="S::l2218m002@slp.tecnm.mx::c168668f-83aa-4b50-b929-8910e82861a9" providerId="AD" clId="Web-{D9652648-D30B-92EB-D547-BEBCBE9D07FB}"/>
+    <pc:docChg chg="modSld">
+      <pc:chgData name="JUAN ANTONIO ALVARADO CANO" userId="S::l2218m002@slp.tecnm.mx::c168668f-83aa-4b50-b929-8910e82861a9" providerId="AD" clId="Web-{D9652648-D30B-92EB-D547-BEBCBE9D07FB}" dt="2022-10-03T22:35:45.641" v="0" actId="20577"/>
+      <pc:docMkLst>
+        <pc:docMk/>
+      </pc:docMkLst>
+      <pc:sldChg chg="modSp">
+        <pc:chgData name="JUAN ANTONIO ALVARADO CANO" userId="S::l2218m002@slp.tecnm.mx::c168668f-83aa-4b50-b929-8910e82861a9" providerId="AD" clId="Web-{D9652648-D30B-92EB-D547-BEBCBE9D07FB}" dt="2022-10-03T22:35:45.641" v="0" actId="20577"/>
+        <pc:sldMkLst>
+          <pc:docMk/>
+          <pc:sldMk cId="3959895367" sldId="261"/>
+        </pc:sldMkLst>
+        <pc:spChg chg="mod">
+          <ac:chgData name="JUAN ANTONIO ALVARADO CANO" userId="S::l2218m002@slp.tecnm.mx::c168668f-83aa-4b50-b929-8910e82861a9" providerId="AD" clId="Web-{D9652648-D30B-92EB-D547-BEBCBE9D07FB}" dt="2022-10-03T22:35:45.641" v="0" actId="20577"/>
+          <ac:spMkLst>
+            <pc:docMk/>
+            <pc:sldMk cId="3959895367" sldId="261"/>
+            <ac:spMk id="2" creationId="{9CA345F9-F8FB-1E59-FB9C-7A29D3D474AC}"/>
+          </ac:spMkLst>
+        </pc:spChg>
+      </pc:sldChg>
+    </pc:docChg>
+  </pc:docChgLst>
+  <pc:docChgLst>
     <pc:chgData name="JUAN ANTONIO ALVARADO CANO" userId="S::l2218m002@slp.tecnm.mx::c168668f-83aa-4b50-b929-8910e82861a9" providerId="AD" clId="Web-{5F6A6F4C-3B42-D72B-3256-8CA3A51DDC9B}"/>
     <pc:docChg chg="addSld modSld">
       <pc:chgData name="JUAN ANTONIO ALVARADO CANO" userId="S::l2218m002@slp.tecnm.mx::c168668f-83aa-4b50-b929-8910e82861a9" providerId="AD" clId="Web-{5F6A6F4C-3B42-D72B-3256-8CA3A51DDC9B}" dt="2022-09-28T03:55:59.960" v="122"/>
@@ -1725,7 +1750,7 @@
             <a:fld id="{B61BEF0D-F0BB-DE4B-95CE-6DB70DBA9567}" type="datetimeFigureOut">
               <a:rPr lang="en-US" dirty="0"/>
               <a:pPr/>
-              <a:t>9/27/2022</a:t>
+              <a:t>10/3/2022</a:t>
             </a:fld>
             <a:endParaRPr lang="en-US" dirty="0"/>
           </a:p>
@@ -1768,7 +1793,7 @@
             <a:fld id="{D57F1E4F-1CFF-5643-939E-217C01CDF565}" type="slidenum">
               <a:rPr lang="en-US" dirty="0"/>
               <a:pPr/>
-              <a:t>‹Nº›</a:t>
+              <a:t>‹#›</a:t>
             </a:fld>
             <a:endParaRPr lang="en-US" dirty="0"/>
           </a:p>
@@ -1977,7 +2002,7 @@
             <a:fld id="{B61BEF0D-F0BB-DE4B-95CE-6DB70DBA9567}" type="datetimeFigureOut">
               <a:rPr lang="en-US" dirty="0"/>
               <a:pPr/>
-              <a:t>9/27/2022</a:t>
+              <a:t>10/3/2022</a:t>
             </a:fld>
             <a:endParaRPr lang="en-US" dirty="0"/>
           </a:p>
@@ -2020,7 +2045,7 @@
             <a:fld id="{D57F1E4F-1CFF-5643-939E-217C01CDF565}" type="slidenum">
               <a:rPr lang="en-US" dirty="0"/>
               <a:pPr/>
-              <a:t>‹Nº›</a:t>
+              <a:t>‹#›</a:t>
             </a:fld>
             <a:endParaRPr lang="en-US" dirty="0"/>
           </a:p>
@@ -2292,7 +2317,7 @@
             <a:fld id="{B61BEF0D-F0BB-DE4B-95CE-6DB70DBA9567}" type="datetimeFigureOut">
               <a:rPr lang="en-US" dirty="0"/>
               <a:pPr/>
-              <a:t>9/27/2022</a:t>
+              <a:t>10/3/2022</a:t>
             </a:fld>
             <a:endParaRPr lang="en-US" dirty="0"/>
           </a:p>
@@ -2335,7 +2360,7 @@
             <a:fld id="{D57F1E4F-1CFF-5643-939E-217C01CDF565}" type="slidenum">
               <a:rPr lang="en-US" dirty="0"/>
               <a:pPr/>
-              <a:t>‹Nº›</a:t>
+              <a:t>‹#›</a:t>
             </a:fld>
             <a:endParaRPr lang="en-US" dirty="0"/>
           </a:p>
@@ -2634,7 +2659,7 @@
             <a:fld id="{B61BEF0D-F0BB-DE4B-95CE-6DB70DBA9567}" type="datetimeFigureOut">
               <a:rPr lang="en-US" dirty="0"/>
               <a:pPr/>
-              <a:t>9/27/2022</a:t>
+              <a:t>10/3/2022</a:t>
             </a:fld>
             <a:endParaRPr lang="en-US" dirty="0"/>
           </a:p>
@@ -2677,7 +2702,7 @@
             <a:fld id="{D57F1E4F-1CFF-5643-939E-217C01CDF565}" type="slidenum">
               <a:rPr lang="en-US" dirty="0"/>
               <a:pPr/>
-              <a:t>‹Nº›</a:t>
+              <a:t>‹#›</a:t>
             </a:fld>
             <a:endParaRPr lang="en-US" dirty="0"/>
           </a:p>
@@ -2949,7 +2974,7 @@
             <a:fld id="{B61BEF0D-F0BB-DE4B-95CE-6DB70DBA9567}" type="datetimeFigureOut">
               <a:rPr lang="en-US" dirty="0"/>
               <a:pPr/>
-              <a:t>9/27/2022</a:t>
+              <a:t>10/3/2022</a:t>
             </a:fld>
             <a:endParaRPr lang="en-US" dirty="0"/>
           </a:p>
@@ -2992,7 +3017,7 @@
             <a:fld id="{D57F1E4F-1CFF-5643-939E-217C01CDF565}" type="slidenum">
               <a:rPr lang="en-US" dirty="0"/>
               <a:pPr/>
-              <a:t>‹Nº›</a:t>
+              <a:t>‹#›</a:t>
             </a:fld>
             <a:endParaRPr lang="en-US" dirty="0"/>
           </a:p>
@@ -3343,7 +3368,7 @@
             <a:fld id="{B61BEF0D-F0BB-DE4B-95CE-6DB70DBA9567}" type="datetimeFigureOut">
               <a:rPr lang="en-US" dirty="0"/>
               <a:pPr/>
-              <a:t>9/27/2022</a:t>
+              <a:t>10/3/2022</a:t>
             </a:fld>
             <a:endParaRPr lang="en-US" dirty="0"/>
           </a:p>
@@ -3386,7 +3411,7 @@
             <a:fld id="{D57F1E4F-1CFF-5643-939E-217C01CDF565}" type="slidenum">
               <a:rPr lang="en-US" dirty="0"/>
               <a:pPr/>
-              <a:t>‹Nº›</a:t>
+              <a:t>‹#›</a:t>
             </a:fld>
             <a:endParaRPr lang="en-US" dirty="0"/>
           </a:p>
@@ -3512,7 +3537,7 @@
           <a:p>
             <a:fld id="{55C6B4A9-1611-4792-9094-5F34BCA07E0B}" type="datetimeFigureOut">
               <a:rPr lang="en-US" dirty="0"/>
-              <a:t>9/27/2022</a:t>
+              <a:t>10/3/2022</a:t>
             </a:fld>
             <a:endParaRPr lang="en-US" dirty="0"/>
           </a:p>
@@ -3554,7 +3579,7 @@
           <a:p>
             <a:fld id="{89333C77-0158-454C-844F-B7AB9BD7DAD4}" type="slidenum">
               <a:rPr lang="en-US" dirty="0"/>
-              <a:t>‹Nº›</a:t>
+              <a:t>‹#›</a:t>
             </a:fld>
             <a:endParaRPr lang="en-US" dirty="0"/>
           </a:p>
@@ -3691,7 +3716,7 @@
             <a:fld id="{B61BEF0D-F0BB-DE4B-95CE-6DB70DBA9567}" type="datetimeFigureOut">
               <a:rPr lang="en-US" dirty="0"/>
               <a:pPr/>
-              <a:t>9/27/2022</a:t>
+              <a:t>10/3/2022</a:t>
             </a:fld>
             <a:endParaRPr lang="en-US" dirty="0"/>
           </a:p>
@@ -3734,7 +3759,7 @@
             <a:fld id="{D57F1E4F-1CFF-5643-939E-217C01CDF565}" type="slidenum">
               <a:rPr lang="en-US" dirty="0"/>
               <a:pPr/>
-              <a:t>‹Nº›</a:t>
+              <a:t>‹#›</a:t>
             </a:fld>
             <a:endParaRPr lang="en-US" dirty="0"/>
           </a:p>
@@ -3867,7 +3892,7 @@
             <a:fld id="{B61BEF0D-F0BB-DE4B-95CE-6DB70DBA9567}" type="datetimeFigureOut">
               <a:rPr lang="en-US" dirty="0"/>
               <a:pPr/>
-              <a:t>9/27/2022</a:t>
+              <a:t>10/3/2022</a:t>
             </a:fld>
             <a:endParaRPr lang="en-US" dirty="0"/>
           </a:p>
@@ -3910,7 +3935,7 @@
             <a:fld id="{D57F1E4F-1CFF-5643-939E-217C01CDF565}" type="slidenum">
               <a:rPr lang="en-US" dirty="0"/>
               <a:pPr/>
-              <a:t>‹Nº›</a:t>
+              <a:t>‹#›</a:t>
             </a:fld>
             <a:endParaRPr lang="en-US" dirty="0"/>
           </a:p>
@@ -4115,7 +4140,7 @@
             <a:fld id="{B61BEF0D-F0BB-DE4B-95CE-6DB70DBA9567}" type="datetimeFigureOut">
               <a:rPr lang="en-US" dirty="0"/>
               <a:pPr/>
-              <a:t>9/27/2022</a:t>
+              <a:t>10/3/2022</a:t>
             </a:fld>
             <a:endParaRPr lang="en-US" dirty="0"/>
           </a:p>
@@ -4158,7 +4183,7 @@
             <a:fld id="{D57F1E4F-1CFF-5643-939E-217C01CDF565}" type="slidenum">
               <a:rPr lang="en-US" dirty="0"/>
               <a:pPr/>
-              <a:t>‹Nº›</a:t>
+              <a:t>‹#›</a:t>
             </a:fld>
             <a:endParaRPr lang="en-US" dirty="0"/>
           </a:p>
@@ -4345,7 +4370,7 @@
           <a:p>
             <a:fld id="{EB712588-04B1-427B-82EE-E8DB90309F08}" type="datetimeFigureOut">
               <a:rPr lang="en-US" dirty="0"/>
-              <a:t>9/27/2022</a:t>
+              <a:t>10/3/2022</a:t>
             </a:fld>
             <a:endParaRPr lang="en-US" dirty="0"/>
           </a:p>
@@ -4387,7 +4412,7 @@
           <a:p>
             <a:fld id="{6FF9F0C5-380F-41C2-899A-BAC0F0927E16}" type="slidenum">
               <a:rPr lang="en-US" dirty="0"/>
-              <a:t>‹Nº›</a:t>
+              <a:t>‹#›</a:t>
             </a:fld>
             <a:endParaRPr lang="en-US" dirty="0"/>
           </a:p>
@@ -4717,7 +4742,7 @@
             <a:fld id="{B61BEF0D-F0BB-DE4B-95CE-6DB70DBA9567}" type="datetimeFigureOut">
               <a:rPr lang="en-US" dirty="0"/>
               <a:pPr/>
-              <a:t>9/27/2022</a:t>
+              <a:t>10/3/2022</a:t>
             </a:fld>
             <a:endParaRPr lang="en-US" dirty="0"/>
           </a:p>
@@ -4760,7 +4785,7 @@
             <a:fld id="{D57F1E4F-1CFF-5643-939E-217C01CDF565}" type="slidenum">
               <a:rPr lang="en-US" dirty="0"/>
               <a:pPr/>
-              <a:t>‹Nº›</a:t>
+              <a:t>‹#›</a:t>
             </a:fld>
             <a:endParaRPr lang="en-US" dirty="0"/>
           </a:p>
@@ -4841,7 +4866,7 @@
             <a:fld id="{B61BEF0D-F0BB-DE4B-95CE-6DB70DBA9567}" type="datetimeFigureOut">
               <a:rPr lang="en-US" dirty="0"/>
               <a:pPr/>
-              <a:t>9/27/2022</a:t>
+              <a:t>10/3/2022</a:t>
             </a:fld>
             <a:endParaRPr lang="en-US" dirty="0"/>
           </a:p>
@@ -4884,7 +4909,7 @@
             <a:fld id="{D57F1E4F-1CFF-5643-939E-217C01CDF565}" type="slidenum">
               <a:rPr lang="en-US" dirty="0"/>
               <a:pPr/>
-              <a:t>‹Nº›</a:t>
+              <a:t>‹#›</a:t>
             </a:fld>
             <a:endParaRPr lang="en-US" dirty="0"/>
           </a:p>
@@ -4938,7 +4963,7 @@
             <a:fld id="{B61BEF0D-F0BB-DE4B-95CE-6DB70DBA9567}" type="datetimeFigureOut">
               <a:rPr lang="en-US" dirty="0"/>
               <a:pPr/>
-              <a:t>9/27/2022</a:t>
+              <a:t>10/3/2022</a:t>
             </a:fld>
             <a:endParaRPr lang="en-US" dirty="0"/>
           </a:p>
@@ -4981,7 +5006,7 @@
             <a:fld id="{D57F1E4F-1CFF-5643-939E-217C01CDF565}" type="slidenum">
               <a:rPr lang="en-US" dirty="0"/>
               <a:pPr/>
-              <a:t>‹Nº›</a:t>
+              <a:t>‹#›</a:t>
             </a:fld>
             <a:endParaRPr lang="en-US" dirty="0"/>
           </a:p>
@@ -5192,7 +5217,7 @@
           <a:p>
             <a:fld id="{42A54C80-263E-416B-A8E0-580EDEADCBDC}" type="datetimeFigureOut">
               <a:rPr lang="en-US" dirty="0"/>
-              <a:t>9/27/2022</a:t>
+              <a:t>10/3/2022</a:t>
             </a:fld>
             <a:endParaRPr lang="en-US" dirty="0"/>
           </a:p>
@@ -5234,7 +5259,7 @@
           <a:p>
             <a:fld id="{519954A3-9DFD-4C44-94BA-B95130A3BA1C}" type="slidenum">
               <a:rPr lang="en-US" dirty="0"/>
-              <a:t>‹Nº›</a:t>
+              <a:t>‹#›</a:t>
             </a:fld>
             <a:endParaRPr lang="en-US" dirty="0"/>
           </a:p>
@@ -5451,7 +5476,7 @@
             <a:fld id="{B61BEF0D-F0BB-DE4B-95CE-6DB70DBA9567}" type="datetimeFigureOut">
               <a:rPr lang="en-US" dirty="0"/>
               <a:pPr/>
-              <a:t>9/27/2022</a:t>
+              <a:t>10/3/2022</a:t>
             </a:fld>
             <a:endParaRPr lang="en-US" dirty="0"/>
           </a:p>
@@ -5494,7 +5519,7 @@
             <a:fld id="{D57F1E4F-1CFF-5643-939E-217C01CDF565}" type="slidenum">
               <a:rPr lang="en-US" dirty="0"/>
               <a:pPr/>
-              <a:t>‹Nº›</a:t>
+              <a:t>‹#›</a:t>
             </a:fld>
             <a:endParaRPr lang="en-US" dirty="0"/>
           </a:p>
@@ -6194,7 +6219,7 @@
             <a:fld id="{B61BEF0D-F0BB-DE4B-95CE-6DB70DBA9567}" type="datetimeFigureOut">
               <a:rPr lang="en-US" dirty="0"/>
               <a:pPr/>
-              <a:t>9/27/2022</a:t>
+              <a:t>10/3/2022</a:t>
             </a:fld>
             <a:endParaRPr lang="en-US" dirty="0"/>
           </a:p>
@@ -6271,7 +6296,7 @@
             <a:fld id="{D57F1E4F-1CFF-5643-939E-217C01CDF565}" type="slidenum">
               <a:rPr lang="en-US" dirty="0"/>
               <a:pPr/>
-              <a:t>‹Nº›</a:t>
+              <a:t>‹#›</a:t>
             </a:fld>
             <a:endParaRPr lang="en-US" dirty="0"/>
           </a:p>
@@ -6797,7 +6822,7 @@
               <a:rPr lang="es-ES" sz="2400" b="1" dirty="0">
                 <a:cs typeface="Calibri"/>
               </a:rPr>
-              <a:t>Profesora: Dra. Liz Roxana de León Lomelí</a:t>
+              <a:t>Profesora: Dra. Luz Roxana de León Lomelí</a:t>
             </a:r>
           </a:p>
           <a:p>
